--- a/C++从零开始编游戏（Display单元库教程）.pptx
+++ b/C++从零开始编游戏（Display单元库教程）.pptx
@@ -1100,7 +1100,7 @@
               <a:pPr>
                 <a:defRPr/>
               </a:pPr>
-              <a:t>2017-12-7 Thu</a:t>
+              <a:t>2018-1-25 Thu</a:t>
             </a:fld>
             <a:endParaRPr lang="zh-CN" altLang="en-US"/>
           </a:p>
@@ -1304,7 +1304,7 @@
               <a:pPr>
                 <a:defRPr/>
               </a:pPr>
-              <a:t>2017-12-7 Thu</a:t>
+              <a:t>2018-1-25 Thu</a:t>
             </a:fld>
             <a:endParaRPr lang="zh-CN" altLang="en-US"/>
           </a:p>
@@ -1517,7 +1517,7 @@
               <a:pPr>
                 <a:defRPr/>
               </a:pPr>
-              <a:t>2017-12-7 Thu</a:t>
+              <a:t>2018-1-25 Thu</a:t>
             </a:fld>
             <a:endParaRPr lang="zh-CN" altLang="en-US"/>
           </a:p>
@@ -1787,7 +1787,7 @@
               <a:pPr>
                 <a:defRPr/>
               </a:pPr>
-              <a:t>2017-12-7 Thu</a:t>
+              <a:t>2018-1-25 Thu</a:t>
             </a:fld>
             <a:endParaRPr lang="zh-CN" altLang="en-US"/>
           </a:p>
@@ -1990,7 +1990,7 @@
               <a:pPr>
                 <a:defRPr/>
               </a:pPr>
-              <a:t>2017-12-7 Thu</a:t>
+              <a:t>2018-1-25 Thu</a:t>
             </a:fld>
             <a:endParaRPr lang="zh-CN" altLang="en-US"/>
           </a:p>
@@ -2215,7 +2215,7 @@
               <a:pPr>
                 <a:defRPr/>
               </a:pPr>
-              <a:t>2017-12-7 Thu</a:t>
+              <a:t>2018-1-25 Thu</a:t>
             </a:fld>
             <a:endParaRPr lang="zh-CN" altLang="en-US"/>
           </a:p>
@@ -2536,7 +2536,7 @@
               <a:pPr>
                 <a:defRPr/>
               </a:pPr>
-              <a:t>2017-12-7 Thu</a:t>
+              <a:t>2018-1-25 Thu</a:t>
             </a:fld>
             <a:endParaRPr lang="zh-CN" altLang="en-US"/>
           </a:p>
@@ -2996,7 +2996,7 @@
               <a:pPr>
                 <a:defRPr/>
               </a:pPr>
-              <a:t>2017-12-7 Thu</a:t>
+              <a:t>2018-1-25 Thu</a:t>
             </a:fld>
             <a:endParaRPr lang="zh-CN" altLang="en-US"/>
           </a:p>
@@ -3147,7 +3147,7 @@
               <a:pPr>
                 <a:defRPr/>
               </a:pPr>
-              <a:t>2017-12-7 Thu</a:t>
+              <a:t>2018-1-25 Thu</a:t>
             </a:fld>
             <a:endParaRPr lang="zh-CN" altLang="en-US"/>
           </a:p>
@@ -3275,7 +3275,7 @@
               <a:pPr>
                 <a:defRPr/>
               </a:pPr>
-              <a:t>2017-12-7 Thu</a:t>
+              <a:t>2018-1-25 Thu</a:t>
             </a:fld>
             <a:endParaRPr lang="zh-CN" altLang="en-US"/>
           </a:p>
@@ -3585,7 +3585,7 @@
               <a:pPr>
                 <a:defRPr/>
               </a:pPr>
-              <a:t>2017-12-7 Thu</a:t>
+              <a:t>2018-1-25 Thu</a:t>
             </a:fld>
             <a:endParaRPr lang="zh-CN" altLang="en-US"/>
           </a:p>
@@ -3876,7 +3876,7 @@
               <a:pPr>
                 <a:defRPr/>
               </a:pPr>
-              <a:t>2017-12-7 Thu</a:t>
+              <a:t>2018-1-25 Thu</a:t>
             </a:fld>
             <a:endParaRPr lang="zh-CN" altLang="en-US"/>
           </a:p>
@@ -4950,7 +4950,7 @@
               <a:pPr>
                 <a:defRPr/>
               </a:pPr>
-              <a:t>2017-12-7 Thu</a:t>
+              <a:t>2018-1-25 Thu</a:t>
             </a:fld>
             <a:endParaRPr lang="zh-CN" altLang="en-US"/>
           </a:p>
@@ -5668,11 +5668,11 @@
           <a:p>
             <a:pPr eaLnBrk="1" hangingPunct="1"/>
             <a:r>
-              <a:rPr lang="de-DE" altLang="zh-CN" sz="4000" smtClean="0"/>
+              <a:rPr lang="de-DE" altLang="zh-CN" sz="4000" dirty="0" smtClean="0"/>
               <a:t>C++</a:t>
             </a:r>
             <a:r>
-              <a:rPr lang="zh-CN" altLang="en-US" sz="4000" smtClean="0"/>
+              <a:rPr lang="zh-CN" altLang="en-US" sz="4000" dirty="0" smtClean="0"/>
               <a:t>从零开始编游戏</a:t>
             </a:r>
           </a:p>
@@ -7832,11 +7832,7 @@
             </a:r>
             <a:r>
               <a:rPr lang="zh-CN" altLang="en-US" sz="2400" dirty="0" smtClean="0"/>
-              <a:t>含有函数清单的头文件</a:t>
-            </a:r>
-            <a:r>
-              <a:rPr lang="zh-CN" altLang="en-US" sz="2400" dirty="0" smtClean="0"/>
-              <a:t>。</a:t>
+              <a:t>含有函数清单的头文件。</a:t>
             </a:r>
             <a:endParaRPr lang="en-US" altLang="zh-CN" sz="2400" dirty="0"/>
           </a:p>
@@ -11263,15 +11259,15 @@
           <a:p>
             <a:pPr eaLnBrk="1" hangingPunct="1"/>
             <a:r>
-              <a:rPr lang="zh-CN" altLang="en-US" smtClean="0"/>
+              <a:rPr lang="zh-CN" altLang="en-US" dirty="0" smtClean="0"/>
               <a:t>第三节 </a:t>
             </a:r>
             <a:r>
-              <a:rPr lang="en-US" altLang="zh-CN" smtClean="0"/>
+              <a:rPr lang="en-US" altLang="zh-CN" dirty="0" smtClean="0"/>
               <a:t>Display</a:t>
             </a:r>
             <a:r>
-              <a:rPr lang="zh-CN" altLang="en-US" smtClean="0"/>
+              <a:rPr lang="zh-CN" altLang="en-US" dirty="0" smtClean="0"/>
               <a:t>单元库</a:t>
             </a:r>
           </a:p>
@@ -11829,11 +11825,7 @@
             </a:r>
             <a:r>
               <a:rPr lang="zh-CN" altLang="en-US" dirty="0" smtClean="0"/>
-              <a:t>单元库时，您</a:t>
-            </a:r>
-            <a:r>
-              <a:rPr lang="zh-CN" altLang="en-US" dirty="0" smtClean="0"/>
-              <a:t>需要以下文件：</a:t>
+              <a:t>单元库时，您需要以下文件：</a:t>
             </a:r>
             <a:endParaRPr lang="en-US" altLang="zh-CN" dirty="0"/>
           </a:p>
@@ -11974,38 +11966,9 @@
               <a:t> /</a:t>
             </a:r>
             <a:r>
-              <a:rPr lang="en-US" altLang="zh-CN" sz="2400" dirty="0" err="1"/>
+              <a:rPr lang="en-US" altLang="zh-CN" sz="2400" dirty="0" err="1" smtClean="0"/>
               <a:t>OUT:disp.lib</a:t>
             </a:r>
-            <a:endParaRPr lang="en-US" altLang="zh-CN" sz="2400" dirty="0" smtClean="0"/>
-          </a:p>
-          <a:p>
-            <a:pPr marL="0" indent="0">
-              <a:buNone/>
-              <a:defRPr/>
-            </a:pPr>
-            <a:endParaRPr lang="en-US" altLang="zh-CN" sz="2400" dirty="0"/>
-          </a:p>
-          <a:p>
-            <a:pPr marL="0" indent="0">
-              <a:buNone/>
-              <a:defRPr/>
-            </a:pPr>
-            <a:endParaRPr lang="en-US" altLang="zh-CN" sz="2400" dirty="0"/>
-          </a:p>
-          <a:p>
-            <a:pPr marL="0" indent="0">
-              <a:buNone/>
-              <a:defRPr/>
-            </a:pPr>
-            <a:endParaRPr lang="zh-CN" altLang="en-US" sz="2400" dirty="0" smtClean="0"/>
-          </a:p>
-          <a:p>
-            <a:pPr marL="0" indent="0">
-              <a:buFont typeface="Wingdings" panose="05000000000000000000" pitchFamily="2" charset="2"/>
-              <a:buNone/>
-              <a:defRPr/>
-            </a:pPr>
             <a:endParaRPr lang="en-US" altLang="zh-CN" sz="2400" dirty="0" smtClean="0"/>
           </a:p>
         </p:txBody>
@@ -12253,28 +12216,6 @@
               <a:rPr lang="zh-CN" altLang="en-US" sz="2400" dirty="0" smtClean="0"/>
               <a:t>函数）。</a:t>
             </a:r>
-            <a:endParaRPr lang="en-US" altLang="zh-CN" sz="2400" dirty="0"/>
-          </a:p>
-          <a:p>
-            <a:pPr marL="0" indent="0">
-              <a:buNone/>
-              <a:defRPr/>
-            </a:pPr>
-            <a:endParaRPr lang="en-US" altLang="zh-CN" sz="2400" dirty="0"/>
-          </a:p>
-          <a:p>
-            <a:pPr marL="0" indent="0">
-              <a:buNone/>
-              <a:defRPr/>
-            </a:pPr>
-            <a:endParaRPr lang="zh-CN" altLang="en-US" sz="2400" dirty="0" smtClean="0"/>
-          </a:p>
-          <a:p>
-            <a:pPr marL="0" indent="0">
-              <a:buFont typeface="Wingdings" panose="05000000000000000000" pitchFamily="2" charset="2"/>
-              <a:buNone/>
-              <a:defRPr/>
-            </a:pPr>
             <a:endParaRPr lang="en-US" altLang="zh-CN" sz="2400" dirty="0" smtClean="0"/>
           </a:p>
         </p:txBody>
@@ -12326,7 +12267,7 @@
           <a:p>
             <a:pPr eaLnBrk="1" hangingPunct="1"/>
             <a:r>
-              <a:rPr lang="zh-CN" altLang="en-US" smtClean="0"/>
+              <a:rPr lang="zh-CN" altLang="en-US" dirty="0" smtClean="0"/>
               <a:t>第二章 窗口</a:t>
             </a:r>
           </a:p>
@@ -17371,8 +17312,8 @@
               <a:t>先阅读头文件</a:t>
             </a:r>
             <a:r>
-              <a:rPr lang="en-US" altLang="zh-CN" dirty="0" err="1" smtClean="0"/>
-              <a:t>display.h</a:t>
+              <a:rPr lang="en-US" altLang="zh-CN" smtClean="0"/>
+              <a:t>disp.h</a:t>
             </a:r>
             <a:r>
               <a:rPr lang="zh-CN" altLang="en-US" dirty="0" smtClean="0"/>
@@ -19824,11 +19765,7 @@
             </a:r>
             <a:r>
               <a:rPr lang="zh-CN" altLang="en-US" dirty="0" smtClean="0"/>
-              <a:t>单元</a:t>
-            </a:r>
-            <a:r>
-              <a:rPr lang="zh-CN" altLang="en-US" dirty="0" smtClean="0"/>
-              <a:t>库</a:t>
+              <a:t>单元库</a:t>
             </a:r>
             <a:endParaRPr lang="en-US" altLang="zh-CN" dirty="0" smtClean="0"/>
           </a:p>
@@ -19846,7 +19783,6 @@
               <a:rPr lang="zh-CN" altLang="en-US" dirty="0" smtClean="0"/>
               <a:t>编译</a:t>
             </a:r>
-            <a:endParaRPr lang="zh-CN" altLang="en-US" dirty="0" smtClean="0"/>
           </a:p>
         </p:txBody>
       </p:sp>
